--- a/Pro_plan.pptx
+++ b/Pro_plan.pptx
@@ -13185,7 +13185,7 @@
         <p:spPr>
           <a:xfrm>
             <a:off x="292950" y="366824"/>
-            <a:ext cx="5230026" cy="2641552"/>
+            <a:ext cx="5262276" cy="2425537"/>
           </a:xfrm>
           <a:prstGeom prst="rect">
             <a:avLst/>
@@ -13210,7 +13210,7 @@
               <a:buNone/>
             </a:pPr>
             <a:r>
-              <a:rPr lang="en-US" sz="2800" dirty="0" smtClean="0">
+              <a:rPr lang="en-US" sz="3200" dirty="0">
                 <a:solidFill>
                   <a:srgbClr val="002060"/>
                 </a:solidFill>
@@ -13220,47 +13220,6 @@
                 <a:sym typeface="Times New Roman"/>
               </a:rPr>
               <a:t>Crystal Advanced Analytics</a:t>
-            </a:r>
-            <a:r>
-              <a:rPr lang="en-US" sz="2800" dirty="0" smtClean="0">
-                <a:solidFill>
-                  <a:schemeClr val="tx2">
-                    <a:lumMod val="75000"/>
-                  </a:schemeClr>
-                </a:solidFill>
-                <a:latin typeface="Times New Roman"/>
-                <a:ea typeface="Times New Roman"/>
-                <a:cs typeface="Times New Roman"/>
-                <a:sym typeface="Times New Roman"/>
-              </a:rPr>
-              <a:t/>
-            </a:r>
-            <a:br>
-              <a:rPr lang="en-US" sz="2800" dirty="0" smtClean="0">
-                <a:solidFill>
-                  <a:schemeClr val="tx2">
-                    <a:lumMod val="75000"/>
-                  </a:schemeClr>
-                </a:solidFill>
-                <a:latin typeface="Times New Roman"/>
-                <a:ea typeface="Times New Roman"/>
-                <a:cs typeface="Times New Roman"/>
-                <a:sym typeface="Times New Roman"/>
-              </a:rPr>
-            </a:br>
-            <a:r>
-              <a:rPr lang="en-US" sz="2800" dirty="0">
-                <a:solidFill>
-                  <a:schemeClr val="tx2">
-                    <a:lumMod val="75000"/>
-                  </a:schemeClr>
-                </a:solidFill>
-                <a:latin typeface="Times New Roman"/>
-                <a:ea typeface="Times New Roman"/>
-                <a:cs typeface="Times New Roman"/>
-                <a:sym typeface="Times New Roman"/>
-              </a:rPr>
-              <a:t/>
             </a:r>
             <a:br>
               <a:rPr lang="en-US" sz="2800" dirty="0">
@@ -13275,106 +13234,8 @@
                 <a:sym typeface="Times New Roman"/>
               </a:rPr>
             </a:br>
-            <a:r>
-              <a:rPr lang="en-US" sz="1400" dirty="0" smtClean="0">
-                <a:solidFill>
-                  <a:schemeClr val="tx2">
-                    <a:lumMod val="75000"/>
-                  </a:schemeClr>
-                </a:solidFill>
-                <a:latin typeface="Times New Roman"/>
-                <a:ea typeface="Times New Roman"/>
-                <a:cs typeface="Times New Roman"/>
-                <a:sym typeface="Times New Roman"/>
-              </a:rPr>
-              <a:t>(F</a:t>
-            </a:r>
-            <a:r>
-              <a:rPr lang="en" sz="1400" dirty="0" err="1" smtClean="0">
-                <a:solidFill>
-                  <a:schemeClr val="tx2">
-                    <a:lumMod val="75000"/>
-                  </a:schemeClr>
-                </a:solidFill>
-                <a:latin typeface="Times New Roman"/>
-                <a:ea typeface="Times New Roman"/>
-                <a:cs typeface="Times New Roman"/>
-                <a:sym typeface="Times New Roman"/>
-              </a:rPr>
-              <a:t>uture</a:t>
-            </a:r>
-            <a:r>
-              <a:rPr lang="en" sz="1400" dirty="0" smtClean="0">
-                <a:solidFill>
-                  <a:schemeClr val="tx2">
-                    <a:lumMod val="75000"/>
-                  </a:schemeClr>
-                </a:solidFill>
-                <a:latin typeface="Times New Roman"/>
-                <a:ea typeface="Times New Roman"/>
-                <a:cs typeface="Times New Roman"/>
-                <a:sym typeface="Times New Roman"/>
-              </a:rPr>
-              <a:t>-oriented </a:t>
-            </a:r>
-            <a:r>
-              <a:rPr lang="en" sz="1400" dirty="0" smtClean="0">
-                <a:solidFill>
-                  <a:schemeClr val="tx2">
-                    <a:lumMod val="75000"/>
-                  </a:schemeClr>
-                </a:solidFill>
-                <a:latin typeface="Times New Roman"/>
-                <a:ea typeface="Times New Roman"/>
-                <a:cs typeface="Times New Roman"/>
-                <a:sym typeface="Times New Roman"/>
-              </a:rPr>
-              <a:t>Benchmarking Through Social Media </a:t>
-            </a:r>
-            <a:r>
-              <a:rPr lang="en" sz="1400" dirty="0" smtClean="0">
-                <a:solidFill>
-                  <a:schemeClr val="tx2">
-                    <a:lumMod val="75000"/>
-                  </a:schemeClr>
-                </a:solidFill>
-                <a:latin typeface="Times New Roman"/>
-                <a:ea typeface="Times New Roman"/>
-                <a:cs typeface="Times New Roman"/>
-                <a:sym typeface="Times New Roman"/>
-              </a:rPr>
-              <a:t>Analysis</a:t>
-            </a:r>
-            <a:r>
-              <a:rPr lang="en-US" sz="1400" dirty="0">
-                <a:solidFill>
-                  <a:schemeClr val="tx2">
-                    <a:lumMod val="75000"/>
-                  </a:schemeClr>
-                </a:solidFill>
-                <a:latin typeface="Times New Roman"/>
-                <a:ea typeface="Times New Roman"/>
-                <a:cs typeface="Times New Roman"/>
-                <a:sym typeface="Times New Roman"/>
-              </a:rPr>
-              <a:t>)</a:t>
-            </a:r>
-            <a:r>
-              <a:rPr lang="en" sz="2800" dirty="0" smtClean="0">
-                <a:solidFill>
-                  <a:schemeClr val="tx2">
-                    <a:lumMod val="75000"/>
-                  </a:schemeClr>
-                </a:solidFill>
-                <a:latin typeface="Times New Roman"/>
-                <a:ea typeface="Times New Roman"/>
-                <a:cs typeface="Times New Roman"/>
-                <a:sym typeface="Times New Roman"/>
-              </a:rPr>
-              <a:t/>
-            </a:r>
             <a:br>
-              <a:rPr lang="en" sz="2800" dirty="0" smtClean="0">
+              <a:rPr lang="en-US" sz="2800" dirty="0">
                 <a:solidFill>
                   <a:schemeClr val="tx2">
                     <a:lumMod val="75000"/>
@@ -13386,11 +13247,68 @@
                 <a:sym typeface="Times New Roman"/>
               </a:rPr>
             </a:br>
+            <a:r>
+              <a:rPr lang="en-US" sz="1400" dirty="0">
+                <a:solidFill>
+                  <a:srgbClr val="4E4E4E"/>
+                </a:solidFill>
+                <a:latin typeface="Times New Roman"/>
+                <a:ea typeface="Times New Roman"/>
+                <a:cs typeface="Times New Roman"/>
+                <a:sym typeface="Times New Roman"/>
+              </a:rPr>
+              <a:t>(F</a:t>
+            </a:r>
+            <a:r>
+              <a:rPr lang="en" sz="1400" dirty="0" err="1">
+                <a:solidFill>
+                  <a:srgbClr val="4E4E4E"/>
+                </a:solidFill>
+                <a:latin typeface="Times New Roman"/>
+                <a:ea typeface="Times New Roman"/>
+                <a:cs typeface="Times New Roman"/>
+                <a:sym typeface="Times New Roman"/>
+              </a:rPr>
+              <a:t>uture</a:t>
+            </a:r>
+            <a:r>
+              <a:rPr lang="en" sz="1400" dirty="0">
+                <a:solidFill>
+                  <a:srgbClr val="4E4E4E"/>
+                </a:solidFill>
+                <a:latin typeface="Times New Roman"/>
+                <a:ea typeface="Times New Roman"/>
+                <a:cs typeface="Times New Roman"/>
+                <a:sym typeface="Times New Roman"/>
+              </a:rPr>
+              <a:t>-oriented Benchmarking Through Social Media Analysis</a:t>
+            </a:r>
+            <a:r>
+              <a:rPr lang="en-US" sz="1400" dirty="0">
+                <a:solidFill>
+                  <a:srgbClr val="4E4E4E"/>
+                </a:solidFill>
+                <a:latin typeface="Times New Roman"/>
+                <a:ea typeface="Times New Roman"/>
+                <a:cs typeface="Times New Roman"/>
+                <a:sym typeface="Times New Roman"/>
+              </a:rPr>
+              <a:t>)</a:t>
+            </a:r>
+            <a:br>
+              <a:rPr lang="en" sz="2800" dirty="0">
+                <a:solidFill>
+                  <a:srgbClr val="4E4E4E"/>
+                </a:solidFill>
+                <a:latin typeface="Times New Roman"/>
+                <a:ea typeface="Times New Roman"/>
+                <a:cs typeface="Times New Roman"/>
+                <a:sym typeface="Times New Roman"/>
+              </a:rPr>
+            </a:br>
             <a:endParaRPr lang="en" sz="4000" dirty="0">
               <a:solidFill>
-                <a:schemeClr val="tx2">
-                  <a:lumMod val="75000"/>
-                </a:schemeClr>
+                <a:srgbClr val="4E4E4E"/>
               </a:solidFill>
             </a:endParaRPr>
           </a:p>
@@ -13445,7 +13363,7 @@
               <a:buNone/>
             </a:pPr>
             <a:r>
-              <a:rPr lang="en-US" sz="2000" b="1" dirty="0" smtClean="0">
+              <a:rPr lang="en-US" sz="2000" b="1" dirty="0">
                 <a:solidFill>
                   <a:schemeClr val="tx2">
                     <a:lumMod val="75000"/>
@@ -13454,18 +13372,6 @@
                 <a:sym typeface="Georgia"/>
               </a:rPr>
               <a:t>Team Member: </a:t>
-            </a:r>
-            <a:r>
-              <a:rPr lang="en" sz="1800" b="1" dirty="0" smtClean="0">
-                <a:solidFill>
-                  <a:schemeClr val="tx2">
-                    <a:lumMod val="60000"/>
-                    <a:lumOff val="40000"/>
-                  </a:schemeClr>
-                </a:solidFill>
-                <a:sym typeface="Georgia"/>
-              </a:rPr>
-              <a:t>Harshil </a:t>
             </a:r>
             <a:r>
               <a:rPr lang="en" sz="1800" b="1" dirty="0">
@@ -13477,7 +13383,7 @@
                 </a:solidFill>
                 <a:sym typeface="Georgia"/>
               </a:rPr>
-              <a:t>Haumeer</a:t>
+              <a:t>Harshil Haumeer</a:t>
             </a:r>
           </a:p>
         </p:txBody>
@@ -13517,13 +13423,6 @@
   <p:clrMapOvr>
     <a:masterClrMapping/>
   </p:clrMapOvr>
-  <p:timing>
-    <p:tnLst>
-      <p:par>
-        <p:cTn id="1" dur="indefinite" restart="never" nodeType="tmRoot"/>
-      </p:par>
-    </p:tnLst>
-  </p:timing>
 </p:sld>
 </file>
 
@@ -13560,7 +13459,7 @@
           <a:lstStyle/>
           <a:p>
             <a:r>
-              <a:rPr lang="en-US" dirty="0" smtClean="0">
+              <a:rPr lang="en-US" dirty="0">
                 <a:solidFill>
                   <a:schemeClr val="tx2">
                     <a:lumMod val="75000"/>
@@ -13598,9 +13497,27 @@
                 <a:tableStyleId>{5C22544A-7EE6-4342-B048-85BDC9FD1C3A}</a:tableStyleId>
               </a:tblPr>
               <a:tblGrid>
-                <a:gridCol w="2121052"/>
-                <a:gridCol w="2121713"/>
-                <a:gridCol w="2121713"/>
+                <a:gridCol w="2121052">
+                  <a:extLst>
+                    <a:ext uri="{9D8B030D-6E8A-4147-A177-3AD203B41FA5}">
+                      <a16:colId xmlns:a16="http://schemas.microsoft.com/office/drawing/2014/main" val="20000"/>
+                    </a:ext>
+                  </a:extLst>
+                </a:gridCol>
+                <a:gridCol w="2121713">
+                  <a:extLst>
+                    <a:ext uri="{9D8B030D-6E8A-4147-A177-3AD203B41FA5}">
+                      <a16:colId xmlns:a16="http://schemas.microsoft.com/office/drawing/2014/main" val="20001"/>
+                    </a:ext>
+                  </a:extLst>
+                </a:gridCol>
+                <a:gridCol w="2121713">
+                  <a:extLst>
+                    <a:ext uri="{9D8B030D-6E8A-4147-A177-3AD203B41FA5}">
+                      <a16:colId xmlns:a16="http://schemas.microsoft.com/office/drawing/2014/main" val="20002"/>
+                    </a:ext>
+                  </a:extLst>
+                </a:gridCol>
               </a:tblGrid>
               <a:tr h="229046">
                 <a:tc>
@@ -13699,6 +13616,11 @@
                   </a:txBody>
                   <a:tcPr marL="68580" marR="68580" marT="0" marB="0"/>
                 </a:tc>
+                <a:extLst>
+                  <a:ext uri="{0D108BD9-81ED-4DB2-BD59-A6C34878D82A}">
+                    <a16:rowId xmlns:a16="http://schemas.microsoft.com/office/drawing/2014/main" val="10000"/>
+                  </a:ext>
+                </a:extLst>
               </a:tr>
               <a:tr h="381031">
                 <a:tc>
@@ -13797,6 +13719,11 @@
                   </a:txBody>
                   <a:tcPr marL="68580" marR="68580" marT="0" marB="0"/>
                 </a:tc>
+                <a:extLst>
+                  <a:ext uri="{0D108BD9-81ED-4DB2-BD59-A6C34878D82A}">
+                    <a16:rowId xmlns:a16="http://schemas.microsoft.com/office/drawing/2014/main" val="10001"/>
+                  </a:ext>
+                </a:extLst>
               </a:tr>
               <a:tr h="571547">
                 <a:tc>
@@ -13895,6 +13822,11 @@
                   </a:txBody>
                   <a:tcPr marL="68580" marR="68580" marT="0" marB="0"/>
                 </a:tc>
+                <a:extLst>
+                  <a:ext uri="{0D108BD9-81ED-4DB2-BD59-A6C34878D82A}">
+                    <a16:rowId xmlns:a16="http://schemas.microsoft.com/office/drawing/2014/main" val="10002"/>
+                  </a:ext>
+                </a:extLst>
               </a:tr>
               <a:tr h="381031">
                 <a:tc>
@@ -13993,6 +13925,11 @@
                   </a:txBody>
                   <a:tcPr marL="68580" marR="68580" marT="0" marB="0"/>
                 </a:tc>
+                <a:extLst>
+                  <a:ext uri="{0D108BD9-81ED-4DB2-BD59-A6C34878D82A}">
+                    <a16:rowId xmlns:a16="http://schemas.microsoft.com/office/drawing/2014/main" val="10003"/>
+                  </a:ext>
+                </a:extLst>
               </a:tr>
               <a:tr h="381031">
                 <a:tc>
@@ -14091,6 +14028,11 @@
                   </a:txBody>
                   <a:tcPr marL="68580" marR="68580" marT="0" marB="0"/>
                 </a:tc>
+                <a:extLst>
+                  <a:ext uri="{0D108BD9-81ED-4DB2-BD59-A6C34878D82A}">
+                    <a16:rowId xmlns:a16="http://schemas.microsoft.com/office/drawing/2014/main" val="10004"/>
+                  </a:ext>
+                </a:extLst>
               </a:tr>
               <a:tr h="381031">
                 <a:tc>
@@ -14189,6 +14131,11 @@
                   </a:txBody>
                   <a:tcPr marL="68580" marR="68580" marT="0" marB="0"/>
                 </a:tc>
+                <a:extLst>
+                  <a:ext uri="{0D108BD9-81ED-4DB2-BD59-A6C34878D82A}">
+                    <a16:rowId xmlns:a16="http://schemas.microsoft.com/office/drawing/2014/main" val="10005"/>
+                  </a:ext>
+                </a:extLst>
               </a:tr>
               <a:tr h="571547">
                 <a:tc>
@@ -14269,13 +14216,13 @@
                         </a:spcAft>
                       </a:pPr>
                       <a:r>
-                        <a:rPr lang="en-US" sz="1200" dirty="0" smtClean="0">
+                        <a:rPr lang="en-US" sz="1200" dirty="0">
                           <a:effectLst/>
                         </a:rPr>
                         <a:t>Implement root cause analysis.</a:t>
                       </a:r>
                       <a:r>
-                        <a:rPr lang="en-US" sz="1200" baseline="0" dirty="0" smtClean="0">
+                        <a:rPr lang="en-US" sz="1200" baseline="0" dirty="0">
                           <a:effectLst/>
                         </a:rPr>
                         <a:t> Highlight and keywords</a:t>
@@ -14293,6 +14240,11 @@
                   </a:txBody>
                   <a:tcPr marL="68580" marR="68580" marT="0" marB="0"/>
                 </a:tc>
+                <a:extLst>
+                  <a:ext uri="{0D108BD9-81ED-4DB2-BD59-A6C34878D82A}">
+                    <a16:rowId xmlns:a16="http://schemas.microsoft.com/office/drawing/2014/main" val="10006"/>
+                  </a:ext>
+                </a:extLst>
               </a:tr>
             </a:tbl>
           </a:graphicData>
@@ -14432,7 +14384,7 @@
               <a:buChar char="●"/>
             </a:pPr>
             <a:r>
-              <a:rPr lang="en-US" sz="1600" dirty="0" smtClean="0">
+              <a:rPr lang="en-US" sz="1600" dirty="0">
                 <a:solidFill>
                   <a:schemeClr val="accent3">
                     <a:lumMod val="40000"/>
@@ -14470,7 +14422,7 @@
               <a:buChar char="●"/>
             </a:pPr>
             <a:r>
-              <a:rPr lang="en-US" sz="1600" dirty="0" smtClean="0">
+              <a:rPr lang="en-US" sz="1600" dirty="0">
                 <a:solidFill>
                   <a:schemeClr val="accent3">
                     <a:lumMod val="40000"/>
@@ -14508,7 +14460,7 @@
               <a:buChar char="●"/>
             </a:pPr>
             <a:r>
-              <a:rPr lang="en-US" sz="1600" dirty="0" smtClean="0">
+              <a:rPr lang="en-US" sz="1600" dirty="0">
                 <a:solidFill>
                   <a:schemeClr val="accent3">
                     <a:lumMod val="40000"/>
@@ -14538,7 +14490,7 @@
               <a:buChar char="●"/>
             </a:pPr>
             <a:r>
-              <a:rPr lang="en-US" sz="1600" dirty="0" smtClean="0">
+              <a:rPr lang="en-US" sz="1600" dirty="0">
                 <a:solidFill>
                   <a:schemeClr val="accent3">
                     <a:lumMod val="40000"/>
@@ -14576,18 +14528,7 @@
                   </a:schemeClr>
                 </a:solidFill>
               </a:rPr>
-              <a:t> </a:t>
-            </a:r>
-            <a:r>
-              <a:rPr lang="en-US" sz="1600" dirty="0" smtClean="0">
-                <a:solidFill>
-                  <a:schemeClr val="accent3">
-                    <a:lumMod val="40000"/>
-                    <a:lumOff val="60000"/>
-                  </a:schemeClr>
-                </a:solidFill>
-              </a:rPr>
-              <a:t>  Currently at 57%</a:t>
+              <a:t>   Currently at 57%</a:t>
             </a:r>
             <a:endParaRPr lang="en" sz="1600" dirty="0">
               <a:solidFill>
@@ -14667,7 +14608,7 @@
               <a:t>Milestone </a:t>
             </a:r>
             <a:r>
-              <a:rPr lang="en-US" dirty="0" smtClean="0">
+              <a:rPr lang="en-US" dirty="0">
                 <a:solidFill>
                   <a:schemeClr val="tx2">
                     <a:lumMod val="75000"/>
@@ -14734,27 +14675,8 @@
                   </a:schemeClr>
                 </a:solidFill>
               </a:rPr>
-              <a:t>Implement, test and demo </a:t>
+              <a:t>Implement, test and demo root cause analysis</a:t>
             </a:r>
-            <a:r>
-              <a:rPr lang="en-US" sz="1600" dirty="0" smtClean="0">
-                <a:solidFill>
-                  <a:schemeClr val="accent3">
-                    <a:lumMod val="40000"/>
-                    <a:lumOff val="60000"/>
-                  </a:schemeClr>
-                </a:solidFill>
-              </a:rPr>
-              <a:t>root cause analysis</a:t>
-            </a:r>
-            <a:endParaRPr lang="en-US" sz="1600" dirty="0">
-              <a:solidFill>
-                <a:schemeClr val="accent3">
-                  <a:lumMod val="40000"/>
-                  <a:lumOff val="60000"/>
-                </a:schemeClr>
-              </a:solidFill>
-            </a:endParaRPr>
           </a:p>
           <a:p>
             <a:pPr marL="457200" lvl="0" indent="-260350" rtl="0">
@@ -14774,7 +14696,7 @@
               <a:buFont typeface="Nunito"/>
               <a:buChar char="●"/>
             </a:pPr>
-            <a:endParaRPr sz="1600" dirty="0" smtClean="0">
+            <a:endParaRPr sz="1600" dirty="0">
               <a:solidFill>
                 <a:schemeClr val="accent3">
                   <a:lumMod val="40000"/>
@@ -14799,7 +14721,7 @@
               </a:buClr>
             </a:pPr>
             <a:r>
-              <a:rPr lang="en-US" sz="1600" dirty="0" smtClean="0">
+              <a:rPr lang="en-US" sz="1600" dirty="0">
                 <a:solidFill>
                   <a:schemeClr val="accent3">
                     <a:lumMod val="40000"/>
@@ -14809,14 +14731,6 @@
               </a:rPr>
               <a:t>Improve website GUI to include root cause analysis tool</a:t>
             </a:r>
-            <a:endParaRPr lang="en-US" sz="1600" dirty="0" smtClean="0">
-              <a:solidFill>
-                <a:schemeClr val="accent3">
-                  <a:lumMod val="40000"/>
-                  <a:lumOff val="60000"/>
-                </a:schemeClr>
-              </a:solidFill>
-            </a:endParaRPr>
           </a:p>
         </p:txBody>
       </p:sp>
@@ -14887,7 +14801,7 @@
               <a:t>Milestone </a:t>
             </a:r>
             <a:r>
-              <a:rPr lang="en-US" dirty="0" smtClean="0">
+              <a:rPr lang="en-US" dirty="0">
                 <a:solidFill>
                   <a:schemeClr val="tx2">
                     <a:lumMod val="75000"/>
@@ -14946,7 +14860,7 @@
               </a:buClr>
             </a:pPr>
             <a:r>
-              <a:rPr lang="en-US" sz="1600" dirty="0" smtClean="0">
+              <a:rPr lang="en-US" sz="1600" dirty="0">
                 <a:solidFill>
                   <a:schemeClr val="accent3">
                     <a:lumMod val="40000"/>
@@ -14973,7 +14887,7 @@
               </a:buClr>
             </a:pPr>
             <a:r>
-              <a:rPr lang="en-US" sz="1600" dirty="0" smtClean="0">
+              <a:rPr lang="en-US" sz="1600" dirty="0">
                 <a:solidFill>
                   <a:schemeClr val="accent3">
                     <a:lumMod val="40000"/>
@@ -15000,7 +14914,7 @@
               </a:buClr>
             </a:pPr>
             <a:r>
-              <a:rPr lang="en-US" sz="1600" dirty="0" smtClean="0">
+              <a:rPr lang="en-US" sz="1600" dirty="0">
                 <a:solidFill>
                   <a:schemeClr val="accent3">
                     <a:lumMod val="40000"/>
@@ -15027,7 +14941,7 @@
               </a:buClr>
             </a:pPr>
             <a:r>
-              <a:rPr lang="en-US" sz="1600" dirty="0" smtClean="0">
+              <a:rPr lang="en-US" sz="1600" dirty="0">
                 <a:solidFill>
                   <a:schemeClr val="accent3">
                     <a:lumMod val="40000"/>
@@ -15054,7 +14968,7 @@
               </a:buClr>
             </a:pPr>
             <a:r>
-              <a:rPr lang="en-US" sz="1600" dirty="0" smtClean="0">
+              <a:rPr lang="en-US" sz="1600" dirty="0">
                 <a:solidFill>
                   <a:schemeClr val="accent3">
                     <a:lumMod val="40000"/>
@@ -15113,12 +15027,14 @@
           <a:lstStyle/>
           <a:p>
             <a:r>
-              <a:rPr lang="en-US" sz="2800" dirty="0" smtClean="0">
+              <a:rPr lang="en-US" sz="2800" dirty="0">
                 <a:solidFill>
                   <a:schemeClr val="tx2">
                     <a:lumMod val="75000"/>
                   </a:schemeClr>
                 </a:solidFill>
+                <a:latin typeface="Baskerville Old Face" panose="02020602080505020303" pitchFamily="18" charset="77"/>
+                <a:cs typeface="Nadeem" pitchFamily="2" charset="-78"/>
               </a:rPr>
               <a:t>Client: </a:t>
             </a:r>
@@ -15130,48 +15046,16 @@
                     <a:lumOff val="60000"/>
                   </a:schemeClr>
                 </a:solidFill>
+                <a:latin typeface="Baskerville Old Face" panose="02020602080505020303" pitchFamily="18" charset="77"/>
               </a:rPr>
-              <a:t>Dr. Richard </a:t>
+              <a:t>Dr. Richard Griffith</a:t>
             </a:r>
-            <a:r>
-              <a:rPr lang="en-US" sz="2400" dirty="0" smtClean="0">
-                <a:solidFill>
-                  <a:schemeClr val="accent3">
-                    <a:lumMod val="40000"/>
-                    <a:lumOff val="60000"/>
-                  </a:schemeClr>
-                </a:solidFill>
-              </a:rPr>
-              <a:t>Griffith</a:t>
-            </a:r>
-            <a:r>
-              <a:rPr lang="en-US" sz="1400" dirty="0" smtClean="0">
+            <a:br>
+              <a:rPr lang="en-US" sz="1400" dirty="0">
                 <a:solidFill>
                   <a:schemeClr val="tx1"/>
                 </a:solidFill>
-              </a:rPr>
-              <a:t/>
-            </a:r>
-            <a:br>
-              <a:rPr lang="en-US" sz="1400" dirty="0" smtClean="0">
-                <a:solidFill>
-                  <a:schemeClr val="tx1"/>
-                </a:solidFill>
-              </a:rPr>
-            </a:br>
-            <a:r>
-              <a:rPr lang="en-US" sz="1400" dirty="0" smtClean="0">
-                <a:solidFill>
-                  <a:schemeClr val="tx1"/>
-                </a:solidFill>
-              </a:rPr>
-              <a:t/>
-            </a:r>
-            <a:br>
-              <a:rPr lang="en-US" sz="1400" dirty="0" smtClean="0">
-                <a:solidFill>
-                  <a:schemeClr val="tx1"/>
-                </a:solidFill>
+                <a:latin typeface="Baskerville Old Face" panose="02020602080505020303" pitchFamily="18" charset="77"/>
               </a:rPr>
             </a:br>
             <a:r>
@@ -15179,81 +15063,66 @@
                 <a:solidFill>
                   <a:schemeClr val="tx1"/>
                 </a:solidFill>
+                <a:latin typeface="Baskerville Old Face" panose="02020602080505020303" pitchFamily="18" charset="77"/>
               </a:rPr>
-              <a:t/>
+              <a:t>	</a:t>
             </a:r>
             <a:br>
               <a:rPr lang="en-US" sz="1400" dirty="0">
                 <a:solidFill>
                   <a:schemeClr val="tx1"/>
                 </a:solidFill>
+                <a:latin typeface="Baskerville Old Face" panose="02020602080505020303" pitchFamily="18" charset="77"/>
+              </a:rPr>
+            </a:br>
+            <a:br>
+              <a:rPr lang="en-US" sz="1400" dirty="0">
+                <a:solidFill>
+                  <a:schemeClr val="tx1"/>
+                </a:solidFill>
+                <a:latin typeface="Baskerville Old Face" panose="02020602080505020303" pitchFamily="18" charset="77"/>
+              </a:rPr>
+            </a:br>
+            <a:br>
+              <a:rPr lang="en-US" sz="1400" dirty="0">
+                <a:solidFill>
+                  <a:schemeClr val="tx1"/>
+                </a:solidFill>
+                <a:latin typeface="Baskerville Old Face" panose="02020602080505020303" pitchFamily="18" charset="77"/>
               </a:rPr>
             </a:br>
             <a:r>
-              <a:rPr lang="en-US" sz="1400" dirty="0" smtClean="0">
-                <a:solidFill>
-                  <a:schemeClr val="tx1"/>
-                </a:solidFill>
-              </a:rPr>
-              <a:t/>
-            </a:r>
-            <a:br>
-              <a:rPr lang="en-US" sz="1400" dirty="0" smtClean="0">
-                <a:solidFill>
-                  <a:schemeClr val="tx1"/>
-                </a:solidFill>
-              </a:rPr>
-            </a:br>
-            <a:r>
-              <a:rPr lang="en-US" sz="2800" dirty="0" smtClean="0">
+              <a:rPr lang="en-US" sz="2800" dirty="0">
                 <a:solidFill>
                   <a:schemeClr val="tx2">
                     <a:lumMod val="75000"/>
                   </a:schemeClr>
                 </a:solidFill>
+                <a:latin typeface="Baskerville Old Face" panose="02020602080505020303" pitchFamily="18" charset="77"/>
               </a:rPr>
               <a:t>Faculty Sponsor: </a:t>
             </a:r>
             <a:r>
-              <a:rPr lang="en-US" sz="2400" dirty="0" smtClean="0">
+              <a:rPr lang="en-US" sz="2400" dirty="0">
                 <a:solidFill>
                   <a:schemeClr val="accent3">
                     <a:lumMod val="40000"/>
                     <a:lumOff val="60000"/>
                   </a:schemeClr>
                 </a:solidFill>
+                <a:latin typeface="Baskerville Old Face" panose="02020602080505020303" pitchFamily="18" charset="77"/>
               </a:rPr>
               <a:t>Dr. Philip Chan</a:t>
-            </a:r>
-            <a:r>
-              <a:rPr lang="en-US" sz="1400" dirty="0"/>
-              <a:t/>
             </a:r>
             <a:br>
               <a:rPr lang="en-US" sz="1400" dirty="0"/>
             </a:br>
-            <a:r>
-              <a:rPr lang="en-US" sz="1400" dirty="0"/>
-              <a:t/>
-            </a:r>
             <a:br>
               <a:rPr lang="en-US" sz="1400" dirty="0"/>
             </a:br>
-            <a:r>
-              <a:rPr lang="en-US" sz="1400" dirty="0" smtClean="0"/>
-              <a:t/>
-            </a:r>
             <a:br>
-              <a:rPr lang="en-US" sz="1400" dirty="0" smtClean="0"/>
+              <a:rPr lang="en-US" sz="1400" dirty="0"/>
             </a:br>
-            <a:r>
-              <a:rPr lang="en-US" sz="1400" dirty="0">
-                <a:solidFill>
-                  <a:schemeClr val="tx1"/>
-                </a:solidFill>
-              </a:rPr>
-              <a:t/>
-            </a:r>
             <a:br>
               <a:rPr lang="en-US" sz="1400" dirty="0">
                 <a:solidFill>
@@ -15275,13 +15144,6 @@
   <p:clrMapOvr>
     <a:masterClrMapping/>
   </p:clrMapOvr>
-  <p:timing>
-    <p:tnLst>
-      <p:par>
-        <p:cTn id="1" dur="indefinite" restart="never" nodeType="tmRoot"/>
-      </p:par>
-    </p:tnLst>
-  </p:timing>
 </p:sld>
 </file>
 
@@ -15358,8 +15220,8 @@
         </p:nvSpPr>
         <p:spPr>
           <a:xfrm>
-            <a:off x="1261270" y="1180485"/>
-            <a:ext cx="6958019" cy="3859347"/>
+            <a:off x="1261270" y="1180486"/>
+            <a:ext cx="7030500" cy="3283360"/>
           </a:xfrm>
           <a:prstGeom prst="rect">
             <a:avLst/>
@@ -15371,7 +15233,7 @@
           </a:bodyPr>
           <a:lstStyle/>
           <a:p>
-            <a:pPr marL="457200" lvl="0" indent="-317500" rtl="0">
+            <a:pPr marL="139700">
               <a:lnSpc>
                 <a:spcPct val="100000"/>
               </a:lnSpc>
@@ -15381,10 +15243,10 @@
               <a:buClr>
                 <a:srgbClr val="D9D9D9"/>
               </a:buClr>
-              <a:buSzPct val="100000"/>
+              <a:buNone/>
             </a:pPr>
             <a:r>
-              <a:rPr lang="en" sz="1600" dirty="0">
+              <a:rPr lang="en-US" sz="1600" dirty="0">
                 <a:solidFill>
                   <a:schemeClr val="accent3">
                     <a:lumMod val="40000"/>
@@ -15392,11 +15254,11 @@
                   </a:schemeClr>
                 </a:solidFill>
               </a:rPr>
-              <a:t>Create an automated system to retrieve and analysis data from social media platforms </a:t>
+              <a:t>Create a system to:</a:t>
             </a:r>
           </a:p>
           <a:p>
-            <a:pPr marL="457200" lvl="0" indent="-317500" rtl="0">
+            <a:pPr marL="457200" indent="-317500">
               <a:lnSpc>
                 <a:spcPct val="100000"/>
               </a:lnSpc>
@@ -15406,10 +15268,9 @@
               <a:buClr>
                 <a:srgbClr val="D9D9D9"/>
               </a:buClr>
-              <a:buSzPct val="100000"/>
             </a:pPr>
             <a:r>
-              <a:rPr lang="en" sz="1600" dirty="0">
+              <a:rPr lang="en-US" sz="1600" dirty="0">
                 <a:solidFill>
                   <a:schemeClr val="accent3">
                     <a:lumMod val="40000"/>
@@ -15417,11 +15278,11 @@
                   </a:schemeClr>
                 </a:solidFill>
               </a:rPr>
-              <a:t>Identify customers’ emotions through feedback</a:t>
+              <a:t> Allow organizations(Airports) to improve their services based on customers’ feedback.</a:t>
             </a:r>
           </a:p>
           <a:p>
-            <a:pPr marL="457200" lvl="0" indent="-317500" rtl="0">
+            <a:pPr marL="457200" indent="-317500">
               <a:lnSpc>
                 <a:spcPct val="100000"/>
               </a:lnSpc>
@@ -15431,10 +15292,9 @@
               <a:buClr>
                 <a:srgbClr val="D9D9D9"/>
               </a:buClr>
-              <a:buSzPct val="100000"/>
             </a:pPr>
             <a:r>
-              <a:rPr lang="en" sz="1600" dirty="0" smtClean="0">
+              <a:rPr lang="en-US" sz="1600" dirty="0">
                 <a:solidFill>
                   <a:schemeClr val="accent3">
                     <a:lumMod val="40000"/>
@@ -15442,10 +15302,23 @@
                   </a:schemeClr>
                 </a:solidFill>
               </a:rPr>
-              <a:t>Compare </a:t>
+              <a:t>Show where an organization is performing well and underperforming.</a:t>
             </a:r>
+          </a:p>
+          <a:p>
+            <a:pPr marL="457200" indent="-317500">
+              <a:lnSpc>
+                <a:spcPct val="100000"/>
+              </a:lnSpc>
+              <a:spcBef>
+                <a:spcPts val="1000"/>
+              </a:spcBef>
+              <a:buClr>
+                <a:srgbClr val="D9D9D9"/>
+              </a:buClr>
+            </a:pPr>
             <a:r>
-              <a:rPr lang="en" sz="1600" dirty="0">
+              <a:rPr lang="en-US" sz="1600" dirty="0">
                 <a:solidFill>
                   <a:schemeClr val="accent3">
                     <a:lumMod val="40000"/>
@@ -15453,10 +15326,23 @@
                   </a:schemeClr>
                 </a:solidFill>
               </a:rPr>
-              <a:t>services to </a:t>
+              <a:t>Identify the root-cause of underperformance in a particular service.</a:t>
             </a:r>
+          </a:p>
+          <a:p>
+            <a:pPr marL="457200" indent="-317500">
+              <a:lnSpc>
+                <a:spcPct val="100000"/>
+              </a:lnSpc>
+              <a:spcBef>
+                <a:spcPts val="1000"/>
+              </a:spcBef>
+              <a:buClr>
+                <a:srgbClr val="D9D9D9"/>
+              </a:buClr>
+            </a:pPr>
             <a:r>
-              <a:rPr lang="en" sz="1600" dirty="0" smtClean="0">
+              <a:rPr lang="en-US" sz="1600" dirty="0">
                 <a:solidFill>
                   <a:schemeClr val="accent3">
                     <a:lumMod val="40000"/>
@@ -15464,82 +15350,7 @@
                   </a:schemeClr>
                 </a:solidFill>
               </a:rPr>
-              <a:t>competitors</a:t>
-            </a:r>
-            <a:endParaRPr lang="en-US" sz="1600" dirty="0" smtClean="0">
-              <a:solidFill>
-                <a:schemeClr val="accent3">
-                  <a:lumMod val="40000"/>
-                  <a:lumOff val="60000"/>
-                </a:schemeClr>
-              </a:solidFill>
-            </a:endParaRPr>
-          </a:p>
-          <a:p>
-            <a:pPr marL="457200" indent="-317500">
-              <a:lnSpc>
-                <a:spcPct val="100000"/>
-              </a:lnSpc>
-              <a:spcBef>
-                <a:spcPts val="1000"/>
-              </a:spcBef>
-              <a:buClr>
-                <a:srgbClr val="D9D9D9"/>
-              </a:buClr>
-            </a:pPr>
-            <a:r>
-              <a:rPr lang="en" sz="1600" dirty="0">
-                <a:solidFill>
-                  <a:schemeClr val="accent3">
-                    <a:lumMod val="40000"/>
-                    <a:lumOff val="60000"/>
-                  </a:schemeClr>
-                </a:solidFill>
-              </a:rPr>
-              <a:t>Understand root cause of </a:t>
-            </a:r>
-            <a:r>
-              <a:rPr lang="en" sz="1600" dirty="0" smtClean="0">
-                <a:solidFill>
-                  <a:schemeClr val="accent3">
-                    <a:lumMod val="40000"/>
-                    <a:lumOff val="60000"/>
-                  </a:schemeClr>
-                </a:solidFill>
-              </a:rPr>
-              <a:t>dissatisfaction</a:t>
-            </a:r>
-            <a:endParaRPr lang="en-US" sz="1600" dirty="0" smtClean="0">
-              <a:solidFill>
-                <a:schemeClr val="accent3">
-                  <a:lumMod val="40000"/>
-                  <a:lumOff val="60000"/>
-                </a:schemeClr>
-              </a:solidFill>
-            </a:endParaRPr>
-          </a:p>
-          <a:p>
-            <a:pPr marL="457200" lvl="0" indent="-317500">
-              <a:lnSpc>
-                <a:spcPct val="100000"/>
-              </a:lnSpc>
-              <a:spcBef>
-                <a:spcPts val="1000"/>
-              </a:spcBef>
-              <a:buClr>
-                <a:srgbClr val="D9D9D9"/>
-              </a:buClr>
-            </a:pPr>
-            <a:r>
-              <a:rPr lang="en" sz="1600" dirty="0">
-                <a:solidFill>
-                  <a:schemeClr val="accent3">
-                    <a:lumMod val="40000"/>
-                    <a:lumOff val="60000"/>
-                  </a:schemeClr>
-                </a:solidFill>
-              </a:rPr>
-              <a:t>Allow businesses to see where there are performing well and underperforming</a:t>
+              <a:t>Allow the organization to compare its services to that of a competitor. </a:t>
             </a:r>
           </a:p>
           <a:p>
@@ -15614,13 +15425,6 @@
   <p:clrMapOvr>
     <a:masterClrMapping/>
   </p:clrMapOvr>
-  <p:timing>
-    <p:tnLst>
-      <p:par>
-        <p:cTn id="1" dur="indefinite" restart="never" nodeType="tmRoot"/>
-      </p:par>
-    </p:tnLst>
-  </p:timing>
 </p:sld>
 </file>
 
@@ -15653,7 +15457,7 @@
         </p:nvSpPr>
         <p:spPr>
           <a:xfrm>
-            <a:off x="1303800" y="287891"/>
+            <a:off x="1303800" y="160072"/>
             <a:ext cx="7030500" cy="666699"/>
           </a:xfrm>
           <a:prstGeom prst="rect">
@@ -15697,8 +15501,8 @@
         </p:nvSpPr>
         <p:spPr>
           <a:xfrm>
-            <a:off x="1303800" y="954590"/>
-            <a:ext cx="7030500" cy="3942022"/>
+            <a:off x="1303800" y="718616"/>
+            <a:ext cx="7030500" cy="4424884"/>
           </a:xfrm>
           <a:prstGeom prst="rect">
             <a:avLst/>
@@ -15724,20 +15528,10 @@
                   </a:schemeClr>
                 </a:solidFill>
               </a:rPr>
-              <a:t>Web </a:t>
+              <a:t>Web Scraping</a:t>
             </a:r>
             <a:r>
-              <a:rPr lang="en" sz="1800" b="1" dirty="0" smtClean="0">
-                <a:solidFill>
-                  <a:schemeClr val="accent5">
-                    <a:lumMod val="75000"/>
-                  </a:schemeClr>
-                </a:solidFill>
-              </a:rPr>
-              <a:t>Scraping</a:t>
-            </a:r>
-            <a:r>
-              <a:rPr lang="en-US" sz="1800" b="1" smtClean="0">
+              <a:rPr lang="en-US" sz="1800" b="1" dirty="0">
                 <a:solidFill>
                   <a:schemeClr val="accent5">
                     <a:lumMod val="75000"/>
@@ -15747,16 +15541,6 @@
               <a:t> </a:t>
             </a:r>
             <a:r>
-              <a:rPr lang="en" sz="1800" b="1" smtClean="0">
-                <a:solidFill>
-                  <a:schemeClr val="accent5">
-                    <a:lumMod val="75000"/>
-                  </a:schemeClr>
-                </a:solidFill>
-              </a:rPr>
-              <a:t>for </a:t>
-            </a:r>
-            <a:r>
               <a:rPr lang="en" sz="1800" b="1" dirty="0">
                 <a:solidFill>
                   <a:schemeClr val="accent5">
@@ -15764,7 +15548,7 @@
                   </a:schemeClr>
                 </a:solidFill>
               </a:rPr>
-              <a:t>data retrieval</a:t>
+              <a:t>for data retrieval</a:t>
             </a:r>
           </a:p>
           <a:p>
@@ -15781,7 +15565,7 @@
               <a:buChar char="●"/>
             </a:pPr>
             <a:r>
-              <a:rPr lang="en-US" sz="1400" dirty="0" smtClean="0">
+              <a:rPr lang="en-US" sz="1400" dirty="0">
                 <a:solidFill>
                   <a:schemeClr val="accent3">
                     <a:lumMod val="40000"/>
@@ -15792,7 +15576,7 @@
               <a:t>Reporting Platform; </a:t>
             </a:r>
             <a:r>
-              <a:rPr lang="en-US" sz="1400" dirty="0" err="1" smtClean="0">
+              <a:rPr lang="en-US" sz="1400" dirty="0" err="1">
                 <a:solidFill>
                   <a:schemeClr val="accent3">
                     <a:lumMod val="40000"/>
@@ -15802,7 +15586,40 @@
               </a:rPr>
               <a:t>BrightLocal</a:t>
             </a:r>
-            <a:endParaRPr b="1" dirty="0" smtClean="0">
+            <a:endParaRPr lang="en-US" sz="1400" dirty="0">
+              <a:solidFill>
+                <a:schemeClr val="accent3">
+                  <a:lumMod val="40000"/>
+                  <a:lumOff val="60000"/>
+                </a:schemeClr>
+              </a:solidFill>
+            </a:endParaRPr>
+          </a:p>
+          <a:p>
+            <a:pPr marL="457200" lvl="0" indent="-228600" rtl="0">
+              <a:lnSpc>
+                <a:spcPct val="100000"/>
+              </a:lnSpc>
+              <a:spcBef>
+                <a:spcPts val="0"/>
+              </a:spcBef>
+              <a:buClr>
+                <a:srgbClr val="D9D9D9"/>
+              </a:buClr>
+              <a:buChar char="●"/>
+            </a:pPr>
+            <a:r>
+              <a:rPr lang="en-US" sz="1400" dirty="0">
+                <a:solidFill>
+                  <a:schemeClr val="accent3">
+                    <a:lumMod val="40000"/>
+                    <a:lumOff val="60000"/>
+                  </a:schemeClr>
+                </a:solidFill>
+              </a:rPr>
+              <a:t>Data retrieved through  API calls. </a:t>
+            </a:r>
+            <a:endParaRPr dirty="0">
               <a:solidFill>
                 <a:srgbClr val="A61C00"/>
               </a:solidFill>
@@ -15819,7 +15636,7 @@
               <a:buNone/>
             </a:pPr>
             <a:r>
-              <a:rPr lang="en" sz="1800" b="1" dirty="0" smtClean="0">
+              <a:rPr lang="en" sz="1800" b="1" dirty="0">
                 <a:solidFill>
                   <a:schemeClr val="accent5">
                     <a:lumMod val="75000"/>
@@ -15843,7 +15660,7 @@
               <a:buChar char="●"/>
             </a:pPr>
             <a:r>
-              <a:rPr lang="en" sz="1600" dirty="0" smtClean="0">
+              <a:rPr lang="en" sz="1400" dirty="0">
                 <a:solidFill>
                   <a:schemeClr val="accent3">
                     <a:lumMod val="40000"/>
@@ -15851,10 +15668,10 @@
                   </a:schemeClr>
                 </a:solidFill>
               </a:rPr>
-              <a:t>Use </a:t>
+              <a:t>Use data(</a:t>
             </a:r>
             <a:r>
-              <a:rPr lang="en" sz="1600" dirty="0">
+              <a:rPr lang="en-US" sz="1400" dirty="0">
                 <a:solidFill>
                   <a:schemeClr val="accent3">
                     <a:lumMod val="40000"/>
@@ -15862,10 +15679,21 @@
                   </a:schemeClr>
                 </a:solidFill>
               </a:rPr>
-              <a:t>data from </a:t>
+              <a:t>reviews/ratings)</a:t>
             </a:r>
             <a:r>
-              <a:rPr lang="en-US" sz="1600" dirty="0" err="1" smtClean="0">
+              <a:rPr lang="en" sz="1400" dirty="0">
+                <a:solidFill>
+                  <a:schemeClr val="accent3">
+                    <a:lumMod val="40000"/>
+                    <a:lumOff val="60000"/>
+                  </a:schemeClr>
+                </a:solidFill>
+              </a:rPr>
+              <a:t> from </a:t>
+            </a:r>
+            <a:r>
+              <a:rPr lang="en-US" sz="1400" dirty="0" err="1">
                 <a:solidFill>
                   <a:schemeClr val="accent3">
                     <a:lumMod val="40000"/>
@@ -15875,7 +15703,7 @@
               </a:rPr>
               <a:t>BrightLocal</a:t>
             </a:r>
-            <a:endParaRPr lang="en" sz="1600" dirty="0">
+            <a:endParaRPr lang="en" sz="1400" dirty="0">
               <a:solidFill>
                 <a:schemeClr val="accent3">
                   <a:lumMod val="40000"/>
@@ -15898,7 +15726,7 @@
               <a:buChar char="●"/>
             </a:pPr>
             <a:r>
-              <a:rPr lang="en-US" sz="1600" dirty="0" smtClean="0">
+              <a:rPr lang="en-US" sz="1400" dirty="0">
                 <a:solidFill>
                   <a:schemeClr val="accent3">
                     <a:lumMod val="40000"/>
@@ -15919,7 +15747,7 @@
               </a:buClr>
             </a:pPr>
             <a:r>
-              <a:rPr lang="en-US" sz="1200" dirty="0">
+              <a:rPr lang="en-US" sz="1400" dirty="0">
                 <a:solidFill>
                   <a:schemeClr val="accent3">
                     <a:lumMod val="40000"/>
@@ -15927,31 +15755,9 @@
                   </a:schemeClr>
                 </a:solidFill>
               </a:rPr>
-              <a:t> </a:t>
+              <a:t>     7 World class factors</a:t>
             </a:r>
-            <a:r>
-              <a:rPr lang="en-US" sz="1200" dirty="0" smtClean="0">
-                <a:solidFill>
-                  <a:schemeClr val="accent3">
-                    <a:lumMod val="40000"/>
-                    <a:lumOff val="60000"/>
-                  </a:schemeClr>
-                </a:solidFill>
-              </a:rPr>
-              <a:t>    7 World class </a:t>
-            </a:r>
-            <a:r>
-              <a:rPr lang="en-US" sz="1200" dirty="0" err="1" smtClean="0">
-                <a:solidFill>
-                  <a:schemeClr val="accent3">
-                    <a:lumMod val="40000"/>
-                    <a:lumOff val="60000"/>
-                  </a:schemeClr>
-                </a:solidFill>
-              </a:rPr>
-              <a:t>factord</a:t>
-            </a:r>
-            <a:endParaRPr lang="en" sz="1200" dirty="0">
+            <a:endParaRPr lang="en" sz="1400" dirty="0">
               <a:solidFill>
                 <a:schemeClr val="accent3">
                   <a:lumMod val="40000"/>
@@ -15974,7 +15780,7 @@
               <a:buChar char="●"/>
             </a:pPr>
             <a:r>
-              <a:rPr lang="en" sz="1600" dirty="0">
+              <a:rPr lang="en" sz="1400" dirty="0">
                 <a:solidFill>
                   <a:schemeClr val="accent3">
                     <a:lumMod val="40000"/>
@@ -15985,7 +15791,7 @@
               <a:t>Use of </a:t>
             </a:r>
             <a:r>
-              <a:rPr lang="en-US" sz="1600" dirty="0" err="1" smtClean="0">
+              <a:rPr lang="en-US" sz="1400" dirty="0" err="1">
                 <a:solidFill>
                   <a:schemeClr val="accent3">
                     <a:lumMod val="40000"/>
@@ -15996,7 +15802,7 @@
               <a:t>Naives</a:t>
             </a:r>
             <a:r>
-              <a:rPr lang="en-US" sz="1600" dirty="0" smtClean="0">
+              <a:rPr lang="en-US" sz="1400" dirty="0">
                 <a:solidFill>
                   <a:schemeClr val="accent3">
                     <a:lumMod val="40000"/>
@@ -16021,7 +15827,7 @@
               <a:buChar char="●"/>
             </a:pPr>
             <a:r>
-              <a:rPr lang="en-US" sz="1600" dirty="0" smtClean="0">
+              <a:rPr lang="en-US" sz="1400" dirty="0">
                 <a:solidFill>
                   <a:schemeClr val="accent3">
                     <a:lumMod val="40000"/>
@@ -16029,9 +15835,9 @@
                   </a:schemeClr>
                 </a:solidFill>
               </a:rPr>
-              <a:t>Use of Decision Tree Classifier</a:t>
+              <a:t>Use of Decision Tree Classifier (Back-up)</a:t>
             </a:r>
-            <a:endParaRPr lang="en" sz="1600" dirty="0">
+            <a:endParaRPr lang="en" sz="1400" dirty="0">
               <a:solidFill>
                 <a:schemeClr val="accent3">
                   <a:lumMod val="40000"/>
@@ -16128,13 +15934,6 @@
   <p:clrMapOvr>
     <a:masterClrMapping/>
   </p:clrMapOvr>
-  <p:timing>
-    <p:tnLst>
-      <p:par>
-        <p:cTn id="1" dur="indefinite" restart="never" nodeType="tmRoot"/>
-      </p:par>
-    </p:tnLst>
-  </p:timing>
 </p:sld>
 </file>
 
@@ -16263,20 +16062,9 @@
                   </a:schemeClr>
                 </a:solidFill>
               </a:rPr>
-              <a:t>Identify the attitude/sentiments of the customers through their words and </a:t>
+              <a:t>Identify the attitude/sentiments of the customers through their words and feedback</a:t>
             </a:r>
-            <a:r>
-              <a:rPr lang="en" sz="1400" dirty="0" smtClean="0">
-                <a:solidFill>
-                  <a:schemeClr val="accent3">
-                    <a:lumMod val="40000"/>
-                    <a:lumOff val="60000"/>
-                  </a:schemeClr>
-                </a:solidFill>
-              </a:rPr>
-              <a:t>feedback</a:t>
-            </a:r>
-            <a:endParaRPr lang="en-US" sz="1400" dirty="0" smtClean="0">
+            <a:endParaRPr lang="en-US" sz="1400" dirty="0">
               <a:solidFill>
                 <a:schemeClr val="accent3">
                   <a:lumMod val="40000"/>
@@ -16299,7 +16087,7 @@
               <a:buChar char="●"/>
             </a:pPr>
             <a:r>
-              <a:rPr lang="en" sz="1400" dirty="0" smtClean="0">
+              <a:rPr lang="en" sz="1400" dirty="0">
                 <a:solidFill>
                   <a:schemeClr val="accent3">
                     <a:lumMod val="40000"/>
@@ -16310,7 +16098,7 @@
               <a:t> </a:t>
             </a:r>
             <a:r>
-              <a:rPr lang="en-US" sz="1400" dirty="0" smtClean="0">
+              <a:rPr lang="en-US" sz="1400" dirty="0">
                 <a:solidFill>
                   <a:schemeClr val="accent3">
                     <a:lumMod val="40000"/>
@@ -16318,7 +16106,54 @@
                   </a:schemeClr>
                 </a:solidFill>
               </a:rPr>
-              <a:t>Classify content into leaf node based on categories;  Positive or Negative</a:t>
+              <a:t>Sentiment score assigned to reviews without a rating</a:t>
+            </a:r>
+          </a:p>
+          <a:p>
+            <a:pPr marL="457200" lvl="0" indent="-228600" rtl="0">
+              <a:lnSpc>
+                <a:spcPct val="100000"/>
+              </a:lnSpc>
+              <a:spcBef>
+                <a:spcPts val="0"/>
+              </a:spcBef>
+              <a:buClr>
+                <a:srgbClr val="D9D9D9"/>
+              </a:buClr>
+              <a:buChar char="●"/>
+            </a:pPr>
+            <a:r>
+              <a:rPr lang="en-US" sz="1400" dirty="0">
+                <a:solidFill>
+                  <a:schemeClr val="accent3">
+                    <a:lumMod val="40000"/>
+                    <a:lumOff val="60000"/>
+                  </a:schemeClr>
+                </a:solidFill>
+              </a:rPr>
+              <a:t>Use of </a:t>
+            </a:r>
+            <a:r>
+              <a:rPr lang="en-US" sz="1400" dirty="0" err="1">
+                <a:solidFill>
+                  <a:schemeClr val="accent3">
+                    <a:lumMod val="40000"/>
+                    <a:lumOff val="60000"/>
+                  </a:schemeClr>
+                </a:solidFill>
+              </a:rPr>
+              <a:t>TextBlob</a:t>
+            </a:r>
+            <a:r>
+              <a:rPr lang="en-US" sz="1400" dirty="0">
+                <a:solidFill>
+                  <a:schemeClr val="accent3">
+                    <a:lumMod val="40000"/>
+                    <a:lumOff val="60000"/>
+                  </a:schemeClr>
+                </a:solidFill>
+              </a:rPr>
+              <a:t> library</a:t>
             </a:r>
             <a:endParaRPr dirty="0">
               <a:solidFill>
@@ -16386,7 +16221,7 @@
               <a:buChar char="●"/>
             </a:pPr>
             <a:r>
-              <a:rPr lang="en-US" sz="1400" dirty="0" smtClean="0">
+              <a:rPr lang="en-US" sz="1400" dirty="0">
                 <a:solidFill>
                   <a:schemeClr val="accent3">
                     <a:lumMod val="40000"/>
@@ -16394,11 +16229,11 @@
                   </a:schemeClr>
                 </a:solidFill>
               </a:rPr>
-              <a:t>Compare particular categories to that of competitor’s respective category</a:t>
+              <a:t>Compare a particular service to a competitor’s respective service</a:t>
             </a:r>
           </a:p>
           <a:p>
-            <a:pPr marL="831850" lvl="0" indent="-342900" rtl="0">
+            <a:pPr marL="800100" lvl="0" indent="-331788" rtl="0">
               <a:lnSpc>
                 <a:spcPct val="150000"/>
               </a:lnSpc>
@@ -16408,11 +16243,11 @@
               <a:buClr>
                 <a:srgbClr val="D9D9D9"/>
               </a:buClr>
-              <a:buFont typeface="Courier New" charset="0"/>
+              <a:buFont typeface="Courier New" panose="02070309020205020404" pitchFamily="49" charset="0"/>
               <a:buChar char="o"/>
             </a:pPr>
             <a:r>
-              <a:rPr lang="en-US" sz="1400" dirty="0" smtClean="0">
+              <a:rPr lang="en-US" sz="1400" dirty="0">
                 <a:solidFill>
                   <a:schemeClr val="accent3">
                     <a:lumMod val="40000"/>
@@ -16519,13 +16354,6 @@
   <p:clrMapOvr>
     <a:masterClrMapping/>
   </p:clrMapOvr>
-  <p:timing>
-    <p:tnLst>
-      <p:par>
-        <p:cTn id="1" dur="indefinite" restart="never" nodeType="tmRoot"/>
-      </p:par>
-    </p:tnLst>
-  </p:timing>
 </p:sld>
 </file>
 
@@ -16602,7 +16430,7 @@
               <a:buNone/>
             </a:pPr>
             <a:r>
-              <a:rPr lang="en-US" sz="2000" b="1" dirty="0" smtClean="0">
+              <a:rPr lang="en-US" sz="2000" b="1" dirty="0">
                 <a:solidFill>
                   <a:srgbClr val="27278B">
                     <a:lumMod val="75000"/>
@@ -16622,7 +16450,7 @@
               </a:buClr>
             </a:pPr>
             <a:r>
-              <a:rPr lang="en-US" sz="1400" dirty="0" smtClean="0">
+              <a:rPr lang="en-US" sz="1600" dirty="0">
                 <a:solidFill>
                   <a:srgbClr val="599191">
                     <a:lumMod val="40000"/>
@@ -16630,7 +16458,7 @@
                   </a:srgbClr>
                 </a:solidFill>
               </a:rPr>
-              <a:t>Sort negative reviews</a:t>
+              <a:t>Identify the reason behind an underperformance</a:t>
             </a:r>
           </a:p>
           <a:p>
@@ -16643,7 +16471,7 @@
               </a:buClr>
             </a:pPr>
             <a:r>
-              <a:rPr lang="en-US" sz="1400" dirty="0" smtClean="0">
+              <a:rPr lang="en-US" sz="1600" dirty="0">
                 <a:solidFill>
                   <a:srgbClr val="599191">
                     <a:lumMod val="40000"/>
@@ -16651,25 +16479,19 @@
                   </a:srgbClr>
                 </a:solidFill>
               </a:rPr>
-              <a:t>Identify keywords in negative reviews</a:t>
+              <a:t>Identify keywords and repeating words in negative review</a:t>
             </a:r>
-            <a:endParaRPr lang="en-US" sz="1400" dirty="0">
-              <a:solidFill>
-                <a:srgbClr val="599191">
-                  <a:lumMod val="40000"/>
-                  <a:lumOff val="60000"/>
-                </a:srgbClr>
-              </a:solidFill>
-            </a:endParaRPr>
           </a:p>
           <a:p>
-            <a:pPr lvl="0">
+            <a:pPr marL="457200" lvl="0" indent="-228600">
+              <a:lnSpc>
+                <a:spcPct val="100000"/>
+              </a:lnSpc>
               <a:buClr>
-                <a:srgbClr val="424242"/>
+                <a:srgbClr val="D9D9D9"/>
               </a:buClr>
-              <a:buNone/>
             </a:pPr>
-            <a:endParaRPr lang="en" sz="2000" b="1" dirty="0">
+            <a:endParaRPr lang="en" sz="1400" dirty="0">
               <a:solidFill>
                 <a:srgbClr val="27278B">
                   <a:lumMod val="75000"/>
@@ -16781,7 +16603,7 @@
           </a:bodyPr>
           <a:lstStyle/>
           <a:p>
-            <a:pPr marL="457200" lvl="0" indent="-317500">
+            <a:pPr marL="139700" lvl="0">
               <a:spcBef>
                 <a:spcPts val="0"/>
               </a:spcBef>
@@ -16789,9 +16611,10 @@
                 <a:srgbClr val="D9D9D9"/>
               </a:buClr>
               <a:buSzPct val="100000"/>
+              <a:buNone/>
             </a:pPr>
             <a:r>
-              <a:rPr lang="en-US" sz="1400" dirty="0" smtClean="0">
+              <a:rPr lang="en-US" sz="1400" dirty="0">
                 <a:solidFill>
                   <a:schemeClr val="accent3">
                     <a:lumMod val="40000"/>
@@ -16799,96 +16622,7 @@
                   </a:schemeClr>
                 </a:solidFill>
               </a:rPr>
-              <a:t>Live </a:t>
-            </a:r>
-            <a:r>
-              <a:rPr lang="en-US" sz="1400" dirty="0" smtClean="0">
-                <a:solidFill>
-                  <a:schemeClr val="accent3">
-                    <a:lumMod val="40000"/>
-                    <a:lumOff val="60000"/>
-                  </a:schemeClr>
-                </a:solidFill>
-              </a:rPr>
-              <a:t>Data from reporting platform</a:t>
-            </a:r>
-          </a:p>
-          <a:p>
-            <a:pPr marL="457200" lvl="0" indent="-317500">
-              <a:spcBef>
-                <a:spcPts val="0"/>
-              </a:spcBef>
-              <a:buClr>
-                <a:srgbClr val="D9D9D9"/>
-              </a:buClr>
-              <a:buSzPct val="100000"/>
-            </a:pPr>
-            <a:r>
-              <a:rPr lang="en-US" sz="1400" dirty="0" smtClean="0">
-                <a:solidFill>
-                  <a:schemeClr val="accent3">
-                    <a:lumMod val="40000"/>
-                    <a:lumOff val="60000"/>
-                  </a:schemeClr>
-                </a:solidFill>
-              </a:rPr>
-              <a:t>Data will be classified into their respective categories</a:t>
-            </a:r>
-            <a:endParaRPr lang="en-US" sz="1400" dirty="0" smtClean="0">
-              <a:solidFill>
-                <a:schemeClr val="accent3">
-                  <a:lumMod val="40000"/>
-                  <a:lumOff val="60000"/>
-                </a:schemeClr>
-              </a:solidFill>
-            </a:endParaRPr>
-          </a:p>
-          <a:p>
-            <a:pPr marL="457200" lvl="0" indent="-317500">
-              <a:spcBef>
-                <a:spcPts val="0"/>
-              </a:spcBef>
-              <a:buClr>
-                <a:srgbClr val="D9D9D9"/>
-              </a:buClr>
-              <a:buSzPct val="100000"/>
-            </a:pPr>
-            <a:r>
-              <a:rPr lang="en-US" sz="1400" dirty="0" smtClean="0">
-                <a:solidFill>
-                  <a:schemeClr val="accent3">
-                    <a:lumMod val="40000"/>
-                    <a:lumOff val="60000"/>
-                  </a:schemeClr>
-                </a:solidFill>
-              </a:rPr>
-              <a:t>Sentiment scores will be assigned to reviews without ratings</a:t>
-            </a:r>
-            <a:endParaRPr lang="en-US" sz="1400" dirty="0" smtClean="0">
-              <a:solidFill>
-                <a:schemeClr val="accent3">
-                  <a:lumMod val="40000"/>
-                  <a:lumOff val="60000"/>
-                </a:schemeClr>
-              </a:solidFill>
-            </a:endParaRPr>
-          </a:p>
-          <a:p>
-            <a:pPr marL="457200" indent="-317500">
-              <a:buClr>
-                <a:srgbClr val="D9D9D9"/>
-              </a:buClr>
-            </a:pPr>
-            <a:r>
-              <a:rPr lang="en-US" sz="1400" dirty="0" smtClean="0">
-                <a:solidFill>
-                  <a:schemeClr val="accent3">
-                    <a:lumMod val="40000"/>
-                    <a:lumOff val="60000"/>
-                  </a:schemeClr>
-                </a:solidFill>
-              </a:rPr>
-              <a:t>Identify root cause of negative reviews</a:t>
+              <a:t>The system will:</a:t>
             </a:r>
           </a:p>
           <a:p>
@@ -16898,7 +16632,83 @@
               </a:buClr>
             </a:pPr>
             <a:r>
-              <a:rPr lang="en-US" sz="1400" dirty="0" smtClean="0">
+              <a:rPr lang="en-US" sz="1400" dirty="0">
+                <a:solidFill>
+                  <a:schemeClr val="accent3">
+                    <a:lumMod val="40000"/>
+                    <a:lumOff val="60000"/>
+                  </a:schemeClr>
+                </a:solidFill>
+              </a:rPr>
+              <a:t>Allow users to get reviews from multiple social media under one main website</a:t>
+            </a:r>
+          </a:p>
+          <a:p>
+            <a:pPr marL="457200" indent="-317500">
+              <a:buClr>
+                <a:srgbClr val="D9D9D9"/>
+              </a:buClr>
+            </a:pPr>
+            <a:r>
+              <a:rPr lang="en-US" sz="1400" dirty="0">
+                <a:solidFill>
+                  <a:schemeClr val="accent3">
+                    <a:lumMod val="40000"/>
+                    <a:lumOff val="60000"/>
+                  </a:schemeClr>
+                </a:solidFill>
+              </a:rPr>
+              <a:t>Reviews will automatically be classified into categories(services)</a:t>
+            </a:r>
+          </a:p>
+          <a:p>
+            <a:pPr marL="457200" lvl="0" indent="-317500">
+              <a:spcBef>
+                <a:spcPts val="0"/>
+              </a:spcBef>
+              <a:buClr>
+                <a:srgbClr val="D9D9D9"/>
+              </a:buClr>
+              <a:buSzPct val="100000"/>
+            </a:pPr>
+            <a:r>
+              <a:rPr lang="en-US" sz="1400" dirty="0">
+                <a:solidFill>
+                  <a:schemeClr val="accent3">
+                    <a:lumMod val="40000"/>
+                    <a:lumOff val="60000"/>
+                  </a:schemeClr>
+                </a:solidFill>
+              </a:rPr>
+              <a:t>Sentiment scores will be assigned to reviews without ratings.</a:t>
+            </a:r>
+          </a:p>
+          <a:p>
+            <a:pPr marL="457200" indent="-317500">
+              <a:buClr>
+                <a:srgbClr val="D9D9D9"/>
+              </a:buClr>
+            </a:pPr>
+            <a:r>
+              <a:rPr lang="en-US" sz="1400" dirty="0">
+                <a:solidFill>
+                  <a:schemeClr val="accent3">
+                    <a:lumMod val="40000"/>
+                    <a:lumOff val="60000"/>
+                  </a:schemeClr>
+                </a:solidFill>
+              </a:rPr>
+              <a:t>Identify root cause of under-performance. </a:t>
+            </a:r>
+          </a:p>
+          <a:p>
+            <a:pPr marL="457200" indent="-317500">
+              <a:buClr>
+                <a:srgbClr val="D9D9D9"/>
+              </a:buClr>
+            </a:pPr>
+            <a:r>
+              <a:rPr lang="en-US" sz="1400" dirty="0">
                 <a:solidFill>
                   <a:schemeClr val="accent3">
                     <a:lumMod val="40000"/>
@@ -16908,14 +16718,6 @@
               </a:rPr>
               <a:t>All the features will be available under one platform; Website</a:t>
             </a:r>
-            <a:endParaRPr lang="en-US" sz="1400" dirty="0" smtClean="0">
-              <a:solidFill>
-                <a:schemeClr val="accent3">
-                  <a:lumMod val="40000"/>
-                  <a:lumOff val="60000"/>
-                </a:schemeClr>
-              </a:solidFill>
-            </a:endParaRPr>
           </a:p>
         </p:txBody>
       </p:sp>
@@ -17000,8 +16802,8 @@
         </p:nvSpPr>
         <p:spPr>
           <a:xfrm>
-            <a:off x="1056750" y="1597875"/>
-            <a:ext cx="7030500" cy="3182672"/>
+            <a:off x="1204234" y="1597875"/>
+            <a:ext cx="7030500" cy="2956530"/>
           </a:xfrm>
           <a:prstGeom prst="rect">
             <a:avLst/>
@@ -17012,6 +16814,50 @@
             <a:noAutofit/>
           </a:bodyPr>
           <a:lstStyle/>
+          <a:p>
+            <a:pPr marL="457200" lvl="0" indent="-317500" rtl="0">
+              <a:spcBef>
+                <a:spcPts val="0"/>
+              </a:spcBef>
+              <a:buClr>
+                <a:srgbClr val="EFEFEF"/>
+              </a:buClr>
+              <a:buSzPct val="100000"/>
+            </a:pPr>
+            <a:r>
+              <a:rPr lang="en-US" sz="1600" dirty="0">
+                <a:solidFill>
+                  <a:schemeClr val="accent3">
+                    <a:lumMod val="40000"/>
+                    <a:lumOff val="60000"/>
+                  </a:schemeClr>
+                </a:solidFill>
+              </a:rPr>
+              <a:t>Text classification with machine learning Algorithms </a:t>
+            </a:r>
+          </a:p>
+          <a:p>
+            <a:pPr marL="457200" lvl="0" indent="-317500" rtl="0">
+              <a:spcBef>
+                <a:spcPts val="0"/>
+              </a:spcBef>
+              <a:buClr>
+                <a:srgbClr val="EFEFEF"/>
+              </a:buClr>
+              <a:buSzPct val="100000"/>
+            </a:pPr>
+            <a:r>
+              <a:rPr lang="en-US" sz="1600" dirty="0">
+                <a:solidFill>
+                  <a:schemeClr val="accent3">
+                    <a:lumMod val="40000"/>
+                    <a:lumOff val="60000"/>
+                  </a:schemeClr>
+                </a:solidFill>
+              </a:rPr>
+              <a:t>Sentiment analysis</a:t>
+            </a:r>
+          </a:p>
           <a:p>
             <a:pPr marL="457200" lvl="0" indent="-317500" rtl="0">
               <a:spcBef>
@@ -17031,122 +16877,7 @@
                   </a:schemeClr>
                 </a:solidFill>
               </a:rPr>
-              <a:t>Data </a:t>
-            </a:r>
-            <a:r>
-              <a:rPr lang="en" sz="1600" dirty="0" smtClean="0">
-                <a:solidFill>
-                  <a:schemeClr val="accent3">
-                    <a:lumMod val="40000"/>
-                    <a:lumOff val="60000"/>
-                  </a:schemeClr>
-                </a:solidFill>
-              </a:rPr>
-              <a:t>Mining</a:t>
-            </a:r>
-            <a:endParaRPr lang="en-US" sz="1600" dirty="0" smtClean="0">
-              <a:solidFill>
-                <a:schemeClr val="accent3">
-                  <a:lumMod val="40000"/>
-                  <a:lumOff val="60000"/>
-                </a:schemeClr>
-              </a:solidFill>
-            </a:endParaRPr>
-          </a:p>
-          <a:p>
-            <a:pPr marL="457200" lvl="0" indent="-317500" rtl="0">
-              <a:spcBef>
-                <a:spcPts val="0"/>
-              </a:spcBef>
-              <a:buClr>
-                <a:srgbClr val="EFEFEF"/>
-              </a:buClr>
-              <a:buSzPct val="100000"/>
-            </a:pPr>
-            <a:r>
-              <a:rPr lang="en-US" sz="1600" dirty="0" smtClean="0">
-                <a:solidFill>
-                  <a:schemeClr val="accent3">
-                    <a:lumMod val="40000"/>
-                    <a:lumOff val="60000"/>
-                  </a:schemeClr>
-                </a:solidFill>
-              </a:rPr>
-              <a:t>Text classification with machine </a:t>
-            </a:r>
-            <a:r>
-              <a:rPr lang="en-US" sz="1600" dirty="0" smtClean="0">
-                <a:solidFill>
-                  <a:schemeClr val="accent3">
-                    <a:lumMod val="40000"/>
-                    <a:lumOff val="60000"/>
-                  </a:schemeClr>
-                </a:solidFill>
-              </a:rPr>
-              <a:t>learning </a:t>
-            </a:r>
-            <a:r>
-              <a:rPr lang="en-US" sz="1600" dirty="0" smtClean="0">
-                <a:solidFill>
-                  <a:schemeClr val="accent3">
-                    <a:lumMod val="40000"/>
-                    <a:lumOff val="60000"/>
-                  </a:schemeClr>
-                </a:solidFill>
-              </a:rPr>
-              <a:t>Algorithms </a:t>
-            </a:r>
-            <a:endParaRPr lang="en-US" sz="1600" dirty="0" smtClean="0">
-              <a:solidFill>
-                <a:schemeClr val="accent3">
-                  <a:lumMod val="40000"/>
-                  <a:lumOff val="60000"/>
-                </a:schemeClr>
-              </a:solidFill>
-            </a:endParaRPr>
-          </a:p>
-          <a:p>
-            <a:pPr marL="457200" lvl="0" indent="-317500" rtl="0">
-              <a:spcBef>
-                <a:spcPts val="0"/>
-              </a:spcBef>
-              <a:buClr>
-                <a:srgbClr val="EFEFEF"/>
-              </a:buClr>
-              <a:buSzPct val="100000"/>
-            </a:pPr>
-            <a:r>
-              <a:rPr lang="en" sz="1600" dirty="0" smtClean="0">
-                <a:solidFill>
-                  <a:schemeClr val="accent3">
-                    <a:lumMod val="40000"/>
-                    <a:lumOff val="60000"/>
-                  </a:schemeClr>
-                </a:solidFill>
-              </a:rPr>
-              <a:t>Advanced </a:t>
-            </a:r>
-            <a:r>
-              <a:rPr lang="en" sz="1600" dirty="0">
-                <a:solidFill>
-                  <a:schemeClr val="accent3">
-                    <a:lumMod val="40000"/>
-                    <a:lumOff val="60000"/>
-                  </a:schemeClr>
-                </a:solidFill>
-              </a:rPr>
-              <a:t>python </a:t>
-            </a:r>
-            <a:r>
-              <a:rPr lang="en" sz="1600" dirty="0" smtClean="0">
-                <a:solidFill>
-                  <a:schemeClr val="accent3">
-                    <a:lumMod val="40000"/>
-                    <a:lumOff val="60000"/>
-                  </a:schemeClr>
-                </a:solidFill>
-              </a:rPr>
-              <a:t>usage</a:t>
+              <a:t>Advanced python usage</a:t>
             </a:r>
             <a:endParaRPr sz="1600" dirty="0">
               <a:solidFill>
@@ -17176,10 +16907,29 @@
                   </a:schemeClr>
                 </a:solidFill>
               </a:rPr>
-              <a:t>Speed and </a:t>
+              <a:t>Speed and Efficiency</a:t>
             </a:r>
+            <a:endParaRPr lang="en-US" sz="1600" dirty="0">
+              <a:solidFill>
+                <a:schemeClr val="accent3">
+                  <a:lumMod val="40000"/>
+                  <a:lumOff val="60000"/>
+                </a:schemeClr>
+              </a:solidFill>
+            </a:endParaRPr>
+          </a:p>
+          <a:p>
+            <a:pPr marL="457200" lvl="0" indent="-317500" rtl="0">
+              <a:spcBef>
+                <a:spcPts val="0"/>
+              </a:spcBef>
+              <a:buClr>
+                <a:srgbClr val="EFEFEF"/>
+              </a:buClr>
+              <a:buSzPct val="100000"/>
+            </a:pPr>
             <a:r>
-              <a:rPr lang="en" sz="1600" dirty="0" smtClean="0">
+              <a:rPr lang="en-US" sz="1600" dirty="0">
                 <a:solidFill>
                   <a:schemeClr val="accent3">
                     <a:lumMod val="40000"/>
@@ -17187,48 +16937,7 @@
                   </a:schemeClr>
                 </a:solidFill>
               </a:rPr>
-              <a:t>Efficiency</a:t>
-            </a:r>
-            <a:endParaRPr lang="en-US" sz="1600" dirty="0" smtClean="0">
-              <a:solidFill>
-                <a:schemeClr val="accent3">
-                  <a:lumMod val="40000"/>
-                  <a:lumOff val="60000"/>
-                </a:schemeClr>
-              </a:solidFill>
-            </a:endParaRPr>
-          </a:p>
-          <a:p>
-            <a:pPr marL="457200" lvl="0" indent="-317500" rtl="0">
-              <a:spcBef>
-                <a:spcPts val="0"/>
-              </a:spcBef>
-              <a:buClr>
-                <a:srgbClr val="EFEFEF"/>
-              </a:buClr>
-              <a:buSzPct val="100000"/>
-            </a:pPr>
-            <a:r>
-              <a:rPr lang="en-US" sz="1600" dirty="0" err="1" smtClean="0">
-                <a:solidFill>
-                  <a:schemeClr val="accent3">
-                    <a:lumMod val="40000"/>
-                    <a:lumOff val="60000"/>
-                  </a:schemeClr>
-                </a:solidFill>
-              </a:rPr>
-              <a:t>Api</a:t>
-            </a:r>
-            <a:r>
-              <a:rPr lang="en-US" sz="1600" dirty="0" smtClean="0">
-                <a:solidFill>
-                  <a:schemeClr val="accent3">
-                    <a:lumMod val="40000"/>
-                    <a:lumOff val="60000"/>
-                  </a:schemeClr>
-                </a:solidFill>
-              </a:rPr>
-              <a:t> endpoints</a:t>
+              <a:t>API endpoints</a:t>
             </a:r>
             <a:endParaRPr lang="en" sz="1600" dirty="0">
               <a:solidFill>
@@ -17328,7 +17037,7 @@
               <a:buNone/>
             </a:pPr>
             <a:r>
-              <a:rPr lang="en-US" sz="2400" smtClean="0">
+              <a:rPr lang="en-US" sz="2400">
                 <a:solidFill>
                   <a:schemeClr val="tx2">
                     <a:lumMod val="75000"/>

--- a/Pro_plan.pptx
+++ b/Pro_plan.pptx
@@ -15326,7 +15326,7 @@
                   </a:schemeClr>
                 </a:solidFill>
               </a:rPr>
-              <a:t>Identify the root-cause of underperformance in a particular service.</a:t>
+              <a:t>Identify and analyze the root-cause of underperformance in a particular service.</a:t>
             </a:r>
           </a:p>
           <a:p>
@@ -15354,7 +15354,7 @@
             </a:r>
           </a:p>
           <a:p>
-            <a:pPr marL="457200" indent="-317500">
+            <a:pPr marL="139700">
               <a:lnSpc>
                 <a:spcPct val="100000"/>
               </a:lnSpc>
@@ -15364,6 +15364,7 @@
               <a:buClr>
                 <a:srgbClr val="D9D9D9"/>
               </a:buClr>
+              <a:buNone/>
             </a:pPr>
             <a:endParaRPr lang="en" sz="1600" dirty="0">
               <a:solidFill>
